--- a/TransportationProject/Presentation.pptx
+++ b/TransportationProject/Presentation.pptx
@@ -204,7 +204,7 @@
           <a:p>
             <a:fld id="{9C00AD37-C02B-4B7C-9DEE-2183DA719EC8}" type="datetimeFigureOut">
               <a:rPr lang="zh-CN" altLang="en-US" smtClean="0"/>
-              <a:t>2024/12/8</a:t>
+              <a:t>2024/12/9</a:t>
             </a:fld>
             <a:endParaRPr lang="zh-CN" altLang="en-US"/>
           </a:p>
@@ -705,7 +705,7 @@
           <a:p>
             <a:fld id="{978A2CB2-CF20-45AE-AF43-5466C2D5F1D2}" type="datetimeFigureOut">
               <a:rPr lang="zh-CN" altLang="en-US" smtClean="0"/>
-              <a:t>2024/12/8</a:t>
+              <a:t>2024/12/9</a:t>
             </a:fld>
             <a:endParaRPr lang="zh-CN" altLang="en-US"/>
           </a:p>
@@ -905,7 +905,7 @@
           <a:p>
             <a:fld id="{978A2CB2-CF20-45AE-AF43-5466C2D5F1D2}" type="datetimeFigureOut">
               <a:rPr lang="zh-CN" altLang="en-US" smtClean="0"/>
-              <a:t>2024/12/8</a:t>
+              <a:t>2024/12/9</a:t>
             </a:fld>
             <a:endParaRPr lang="zh-CN" altLang="en-US"/>
           </a:p>
@@ -1115,7 +1115,7 @@
           <a:p>
             <a:fld id="{978A2CB2-CF20-45AE-AF43-5466C2D5F1D2}" type="datetimeFigureOut">
               <a:rPr lang="zh-CN" altLang="en-US" smtClean="0"/>
-              <a:t>2024/12/8</a:t>
+              <a:t>2024/12/9</a:t>
             </a:fld>
             <a:endParaRPr lang="zh-CN" altLang="en-US"/>
           </a:p>
@@ -1315,7 +1315,7 @@
           <a:p>
             <a:fld id="{978A2CB2-CF20-45AE-AF43-5466C2D5F1D2}" type="datetimeFigureOut">
               <a:rPr lang="zh-CN" altLang="en-US" smtClean="0"/>
-              <a:t>2024/12/8</a:t>
+              <a:t>2024/12/9</a:t>
             </a:fld>
             <a:endParaRPr lang="zh-CN" altLang="en-US"/>
           </a:p>
@@ -1591,7 +1591,7 @@
           <a:p>
             <a:fld id="{978A2CB2-CF20-45AE-AF43-5466C2D5F1D2}" type="datetimeFigureOut">
               <a:rPr lang="zh-CN" altLang="en-US" smtClean="0"/>
-              <a:t>2024/12/8</a:t>
+              <a:t>2024/12/9</a:t>
             </a:fld>
             <a:endParaRPr lang="zh-CN" altLang="en-US"/>
           </a:p>
@@ -1859,7 +1859,7 @@
           <a:p>
             <a:fld id="{978A2CB2-CF20-45AE-AF43-5466C2D5F1D2}" type="datetimeFigureOut">
               <a:rPr lang="zh-CN" altLang="en-US" smtClean="0"/>
-              <a:t>2024/12/8</a:t>
+              <a:t>2024/12/9</a:t>
             </a:fld>
             <a:endParaRPr lang="zh-CN" altLang="en-US"/>
           </a:p>
@@ -2274,7 +2274,7 @@
           <a:p>
             <a:fld id="{978A2CB2-CF20-45AE-AF43-5466C2D5F1D2}" type="datetimeFigureOut">
               <a:rPr lang="zh-CN" altLang="en-US" smtClean="0"/>
-              <a:t>2024/12/8</a:t>
+              <a:t>2024/12/9</a:t>
             </a:fld>
             <a:endParaRPr lang="zh-CN" altLang="en-US"/>
           </a:p>
@@ -2416,7 +2416,7 @@
           <a:p>
             <a:fld id="{978A2CB2-CF20-45AE-AF43-5466C2D5F1D2}" type="datetimeFigureOut">
               <a:rPr lang="zh-CN" altLang="en-US" smtClean="0"/>
-              <a:t>2024/12/8</a:t>
+              <a:t>2024/12/9</a:t>
             </a:fld>
             <a:endParaRPr lang="zh-CN" altLang="en-US"/>
           </a:p>
@@ -2529,7 +2529,7 @@
           <a:p>
             <a:fld id="{978A2CB2-CF20-45AE-AF43-5466C2D5F1D2}" type="datetimeFigureOut">
               <a:rPr lang="zh-CN" altLang="en-US" smtClean="0"/>
-              <a:t>2024/12/8</a:t>
+              <a:t>2024/12/9</a:t>
             </a:fld>
             <a:endParaRPr lang="zh-CN" altLang="en-US"/>
           </a:p>
@@ -2842,7 +2842,7 @@
           <a:p>
             <a:fld id="{978A2CB2-CF20-45AE-AF43-5466C2D5F1D2}" type="datetimeFigureOut">
               <a:rPr lang="zh-CN" altLang="en-US" smtClean="0"/>
-              <a:t>2024/12/8</a:t>
+              <a:t>2024/12/9</a:t>
             </a:fld>
             <a:endParaRPr lang="zh-CN" altLang="en-US"/>
           </a:p>
@@ -3131,7 +3131,7 @@
           <a:p>
             <a:fld id="{978A2CB2-CF20-45AE-AF43-5466C2D5F1D2}" type="datetimeFigureOut">
               <a:rPr lang="zh-CN" altLang="en-US" smtClean="0"/>
-              <a:t>2024/12/8</a:t>
+              <a:t>2024/12/9</a:t>
             </a:fld>
             <a:endParaRPr lang="zh-CN" altLang="en-US"/>
           </a:p>
@@ -3374,7 +3374,7 @@
           <a:p>
             <a:fld id="{978A2CB2-CF20-45AE-AF43-5466C2D5F1D2}" type="datetimeFigureOut">
               <a:rPr lang="zh-CN" altLang="en-US" smtClean="0"/>
-              <a:t>2024/12/8</a:t>
+              <a:t>2024/12/9</a:t>
             </a:fld>
             <a:endParaRPr lang="zh-CN" altLang="en-US"/>
           </a:p>
@@ -6280,60 +6280,45 @@
           <a:chExt cx="0" cy="0"/>
         </a:xfrm>
       </p:grpSpPr>
-      <p:sp>
-        <p:nvSpPr>
-          <p:cNvPr id="2" name="Title 1">
-            <a:extLst>
-              <a:ext uri="{FF2B5EF4-FFF2-40B4-BE49-F238E27FC236}">
-                <a16:creationId xmlns:a16="http://schemas.microsoft.com/office/drawing/2014/main" id="{748EC8D1-0AC3-C587-2BDF-983C157F9EA7}"/>
-              </a:ext>
-            </a:extLst>
-          </p:cNvPr>
-          <p:cNvSpPr>
-            <a:spLocks noGrp="1"/>
-          </p:cNvSpPr>
-          <p:nvPr>
-            <p:ph type="title"/>
-          </p:nvPr>
-        </p:nvSpPr>
-        <p:spPr/>
-        <p:txBody>
-          <a:bodyPr/>
-          <a:lstStyle/>
-          <a:p>
-            <a:r>
-              <a:rPr lang="en-US" altLang="zh-CN" dirty="0"/>
-              <a:t>Thanks for Watching!</a:t>
-            </a:r>
-            <a:endParaRPr lang="zh-CN" altLang="en-US" dirty="0"/>
-          </a:p>
-        </p:txBody>
-      </p:sp>
-      <p:sp>
-        <p:nvSpPr>
-          <p:cNvPr id="3" name="Content Placeholder 2">
-            <a:extLst>
-              <a:ext uri="{FF2B5EF4-FFF2-40B4-BE49-F238E27FC236}">
-                <a16:creationId xmlns:a16="http://schemas.microsoft.com/office/drawing/2014/main" id="{8A6F6CB1-171C-CD5B-37CC-B69BB8CF510B}"/>
-              </a:ext>
-            </a:extLst>
-          </p:cNvPr>
-          <p:cNvSpPr>
-            <a:spLocks noGrp="1"/>
-          </p:cNvSpPr>
-          <p:nvPr>
-            <p:ph idx="1"/>
-          </p:nvPr>
-        </p:nvSpPr>
-        <p:spPr/>
-        <p:txBody>
-          <a:bodyPr/>
-          <a:lstStyle/>
-          <a:p>
-            <a:endParaRPr lang="zh-CN" altLang="en-US" dirty="0"/>
-          </a:p>
-        </p:txBody>
-      </p:sp>
+      <p:pic>
+        <p:nvPicPr>
+          <p:cNvPr id="6" name="Picture 5">
+            <a:extLst>
+              <a:ext uri="{FF2B5EF4-FFF2-40B4-BE49-F238E27FC236}">
+                <a16:creationId xmlns:a16="http://schemas.microsoft.com/office/drawing/2014/main" id="{32D01A63-03EA-8CA2-F1B7-94D993BFF191}"/>
+              </a:ext>
+            </a:extLst>
+          </p:cNvPr>
+          <p:cNvPicPr>
+            <a:picLocks noChangeAspect="1"/>
+          </p:cNvPicPr>
+          <p:nvPr/>
+        </p:nvPicPr>
+        <p:blipFill>
+          <a:blip r:embed="rId2">
+            <a:extLst>
+              <a:ext uri="{28A0092B-C50C-407E-A947-70E740481C1C}">
+                <a14:useLocalDpi xmlns:a14="http://schemas.microsoft.com/office/drawing/2010/main" val="0"/>
+              </a:ext>
+              <a:ext uri="{837473B0-CC2E-450A-ABE3-18F120FF3D39}">
+                <a1611:picAttrSrcUrl xmlns:a1611="http://schemas.microsoft.com/office/drawing/2016/11/main" r:id="rId3"/>
+              </a:ext>
+            </a:extLst>
+          </a:blip>
+          <a:stretch>
+            <a:fillRect/>
+          </a:stretch>
+        </p:blipFill>
+        <p:spPr>
+          <a:xfrm>
+            <a:off x="0" y="0"/>
+            <a:ext cx="12191999" cy="6858000"/>
+          </a:xfrm>
+          <a:prstGeom prst="rect">
+            <a:avLst/>
+          </a:prstGeom>
+        </p:spPr>
+      </p:pic>
     </p:spTree>
     <p:extLst>
       <p:ext uri="{BB962C8B-B14F-4D97-AF65-F5344CB8AC3E}">

--- a/TransportationProject/Presentation.pptx
+++ b/TransportationProject/Presentation.pptx
@@ -5381,7 +5381,7 @@
             </a:r>
             <a:r>
               <a:rPr lang="en-US" altLang="zh-CN" sz="1600" dirty="0"/>
-              <a:t>’, ‘min’ features to pandas time index in order to more convenient to for analysis and modeling.</a:t>
+              <a:t>’, ‘min’ features to Pandas time index in order to more convenient to for analysis and modeling.</a:t>
             </a:r>
             <a:endParaRPr lang="zh-CN" altLang="en-US" sz="1600" dirty="0"/>
           </a:p>
@@ -5742,7 +5742,7 @@
         <p:spPr>
           <a:xfrm>
             <a:off x="838200" y="1825625"/>
-            <a:ext cx="4783494" cy="3007632"/>
+            <a:ext cx="4783494" cy="1747999"/>
           </a:xfrm>
         </p:spPr>
         <p:txBody>
@@ -5807,14 +5807,100 @@
         </p:blipFill>
         <p:spPr>
           <a:xfrm>
-            <a:off x="5353592" y="1217645"/>
-            <a:ext cx="6462817" cy="4343399"/>
+            <a:off x="6276392" y="1350537"/>
+            <a:ext cx="5538751" cy="3722371"/>
           </a:xfrm>
           <a:prstGeom prst="rect">
             <a:avLst/>
           </a:prstGeom>
         </p:spPr>
       </p:pic>
+      <p:sp>
+        <p:nvSpPr>
+          <p:cNvPr id="6" name="TextBox 5">
+            <a:extLst>
+              <a:ext uri="{FF2B5EF4-FFF2-40B4-BE49-F238E27FC236}">
+                <a16:creationId xmlns:a16="http://schemas.microsoft.com/office/drawing/2014/main" id="{E6F5F032-427C-4B43-BBD4-9F60635FB5B6}"/>
+              </a:ext>
+            </a:extLst>
+          </p:cNvPr>
+          <p:cNvSpPr txBox="1"/>
+          <p:nvPr/>
+        </p:nvSpPr>
+        <p:spPr>
+          <a:xfrm>
+            <a:off x="838200" y="3907025"/>
+            <a:ext cx="5483290" cy="1600438"/>
+          </a:xfrm>
+          <a:prstGeom prst="rect">
+            <a:avLst/>
+          </a:prstGeom>
+          <a:noFill/>
+        </p:spPr>
+        <p:txBody>
+          <a:bodyPr wrap="square">
+            <a:spAutoFit/>
+          </a:bodyPr>
+          <a:lstStyle/>
+          <a:p>
+            <a:r>
+              <a:rPr lang="en-US" altLang="zh-CN" sz="1600" dirty="0"/>
+              <a:t>Business Insight</a:t>
+            </a:r>
+          </a:p>
+          <a:p>
+            <a:endParaRPr lang="en-US" altLang="zh-CN" sz="1600" dirty="0"/>
+          </a:p>
+          <a:p>
+            <a:pPr algn="l">
+              <a:buFont typeface="Arial" panose="020B0604020202020204" pitchFamily="34" charset="0"/>
+              <a:buChar char="•"/>
+            </a:pPr>
+            <a:r>
+              <a:rPr lang="en-US" altLang="zh-CN" sz="1100" b="0" i="0" dirty="0">
+                <a:solidFill>
+                  <a:srgbClr val="0D0D0D"/>
+                </a:solidFill>
+                <a:effectLst/>
+                <a:latin typeface="Segoe UI Variable Text" pitchFamily="2" charset="0"/>
+              </a:rPr>
+              <a:t> Leveraging LSTM to forecast traffic trends allows for precise capacity-demand matching, reducing operational costs.</a:t>
+            </a:r>
+          </a:p>
+          <a:p>
+            <a:pPr algn="l">
+              <a:buFont typeface="Arial" panose="020B0604020202020204" pitchFamily="34" charset="0"/>
+              <a:buChar char="•"/>
+            </a:pPr>
+            <a:r>
+              <a:rPr lang="en-US" altLang="zh-CN" sz="1100" b="0" i="0" dirty="0">
+                <a:solidFill>
+                  <a:srgbClr val="0D0D0D"/>
+                </a:solidFill>
+                <a:effectLst/>
+                <a:latin typeface="Segoe UI Variable Text" pitchFamily="2" charset="0"/>
+              </a:rPr>
+              <a:t> Accurate travel time predictions enhance user satisfaction and strengthen brand loyalty.</a:t>
+            </a:r>
+          </a:p>
+          <a:p>
+            <a:pPr algn="l">
+              <a:buFont typeface="Arial" panose="020B0604020202020204" pitchFamily="34" charset="0"/>
+              <a:buChar char="•"/>
+            </a:pPr>
+            <a:r>
+              <a:rPr lang="en-US" altLang="zh-CN" sz="1100" b="0" i="0" dirty="0">
+                <a:solidFill>
+                  <a:srgbClr val="0D0D0D"/>
+                </a:solidFill>
+                <a:effectLst/>
+                <a:latin typeface="Segoe UI Variable Text" pitchFamily="2" charset="0"/>
+              </a:rPr>
+              <a:t> Long-term forecasting supports strategic infrastructure planning and investment decisions, bolstering competitive advantage.</a:t>
+            </a:r>
+          </a:p>
+        </p:txBody>
+      </p:sp>
     </p:spTree>
     <p:extLst>
       <p:ext uri="{BB962C8B-B14F-4D97-AF65-F5344CB8AC3E}">

--- a/TransportationProject/Presentation.pptx
+++ b/TransportationProject/Presentation.pptx
@@ -5830,7 +5830,7 @@
         <p:spPr>
           <a:xfrm>
             <a:off x="838200" y="3907025"/>
-            <a:ext cx="5483290" cy="1600438"/>
+            <a:ext cx="5483290" cy="2108269"/>
           </a:xfrm>
           <a:prstGeom prst="rect">
             <a:avLst/>
@@ -5864,8 +5864,26 @@
                 <a:effectLst/>
                 <a:latin typeface="Segoe UI Variable Text" pitchFamily="2" charset="0"/>
               </a:rPr>
-              <a:t> Leveraging LSTM to forecast traffic trends allows for precise capacity-demand matching, reducing operational costs.</a:t>
-            </a:r>
+              <a:t> LSTM </a:t>
+            </a:r>
+            <a:r>
+              <a:rPr lang="en-US" altLang="zh-CN" sz="1100" dirty="0">
+                <a:solidFill>
+                  <a:srgbClr val="0D0D0D"/>
+                </a:solidFill>
+                <a:latin typeface="Segoe UI Variable Text" pitchFamily="2" charset="0"/>
+              </a:rPr>
+              <a:t>with the higher accuracy, it can optimize the traffic flow based on the history data and provide more reasonable scheduling optimization.</a:t>
+            </a:r>
+          </a:p>
+          <a:p>
+            <a:pPr algn="l"/>
+            <a:endParaRPr lang="en-US" altLang="zh-CN" sz="1100" dirty="0">
+              <a:solidFill>
+                <a:srgbClr val="0D0D0D"/>
+              </a:solidFill>
+              <a:latin typeface="Segoe UI Variable Text" pitchFamily="2" charset="0"/>
+            </a:endParaRPr>
           </a:p>
           <a:p>
             <a:pPr algn="l">
@@ -5873,14 +5891,13 @@
               <a:buChar char="•"/>
             </a:pPr>
             <a:r>
-              <a:rPr lang="en-US" altLang="zh-CN" sz="1100" b="0" i="0" dirty="0">
+              <a:rPr lang="en-US" altLang="zh-CN" sz="1100" dirty="0">
                 <a:solidFill>
                   <a:srgbClr val="0D0D0D"/>
                 </a:solidFill>
-                <a:effectLst/>
                 <a:latin typeface="Segoe UI Variable Text" pitchFamily="2" charset="0"/>
               </a:rPr>
-              <a:t> Accurate travel time predictions enhance user satisfaction and strengthen brand loyalty.</a:t>
+              <a:t> LSTM is good at capture the short time period features, that means by making contingency predictions for unexpected incidents, such as forecasting potential congestion, it is possible to reduce additional costs incurred from being caught unprepared.</a:t>
             </a:r>
           </a:p>
           <a:p>
@@ -5888,16 +5905,25 @@
               <a:buFont typeface="Arial" panose="020B0604020202020204" pitchFamily="34" charset="0"/>
               <a:buChar char="•"/>
             </a:pPr>
-            <a:r>
-              <a:rPr lang="en-US" altLang="zh-CN" sz="1100" b="0" i="0" dirty="0">
-                <a:solidFill>
-                  <a:srgbClr val="0D0D0D"/>
-                </a:solidFill>
-                <a:effectLst/>
-                <a:latin typeface="Segoe UI Variable Text" pitchFamily="2" charset="0"/>
-              </a:rPr>
-              <a:t> Long-term forecasting supports strategic infrastructure planning and investment decisions, bolstering competitive advantage.</a:t>
-            </a:r>
+            <a:endParaRPr lang="en-US" altLang="zh-CN" sz="1100" dirty="0">
+              <a:solidFill>
+                <a:srgbClr val="0D0D0D"/>
+              </a:solidFill>
+              <a:latin typeface="Segoe UI Variable Text" pitchFamily="2" charset="0"/>
+            </a:endParaRPr>
+          </a:p>
+          <a:p>
+            <a:pPr algn="l">
+              <a:buFont typeface="Arial" panose="020B0604020202020204" pitchFamily="34" charset="0"/>
+              <a:buChar char="•"/>
+            </a:pPr>
+            <a:endParaRPr lang="en-US" altLang="zh-CN" sz="1100" b="0" i="0" dirty="0">
+              <a:solidFill>
+                <a:srgbClr val="0D0D0D"/>
+              </a:solidFill>
+              <a:effectLst/>
+              <a:latin typeface="Segoe UI Variable Text" pitchFamily="2" charset="0"/>
+            </a:endParaRPr>
           </a:p>
         </p:txBody>
       </p:sp>
